--- a/artifacts/ThriftPay-Presentation.pptx
+++ b/artifacts/ThriftPay-Presentation.pptx
@@ -9696,9 +9696,41 @@
           </a:bodyPr>
           <a:lstStyle/>
           <a:p>
+            <a:pPr indent="0" lvl="0" marL="0" rtl="0" algn="l">
+              <a:spcBef>
+                <a:spcPts val="0"/>
+              </a:spcBef>
+              <a:spcAft>
+                <a:spcPts val="0"/>
+              </a:spcAft>
+              <a:buNone/>
+            </a:pPr>
+            <a:r>
+              <a:rPr lang="en-GB" sz="1800">
+                <a:solidFill>
+                  <a:srgbClr val="000000"/>
+                </a:solidFill>
+                <a:latin typeface="Calibri"/>
+                <a:ea typeface="Calibri"/>
+                <a:cs typeface="Calibri"/>
+                <a:sym typeface="Calibri"/>
+              </a:rPr>
+              <a:t>The Advertising sector is BROKEN.</a:t>
+            </a:r>
+            <a:endParaRPr sz="1800">
+              <a:solidFill>
+                <a:srgbClr val="000000"/>
+              </a:solidFill>
+              <a:latin typeface="Calibri"/>
+              <a:ea typeface="Calibri"/>
+              <a:cs typeface="Calibri"/>
+              <a:sym typeface="Calibri"/>
+            </a:endParaRPr>
+          </a:p>
+          <a:p>
             <a:pPr indent="-342900" lvl="0" marL="457200" rtl="0" algn="l">
               <a:spcBef>
-                <a:spcPts val="0"/>
+                <a:spcPts val="1200"/>
               </a:spcBef>
               <a:spcAft>
                 <a:spcPts val="0"/>
@@ -9818,7 +9850,18 @@
               </a:rPr>
               <a:t>e-Commerce grew 50% between 2019 and 2021 to $870 billion</a:t>
             </a:r>
-            <a:endParaRPr b="1" sz="1800">
+            <a:br>
+              <a:rPr lang="en-GB" sz="1800">
+                <a:solidFill>
+                  <a:srgbClr val="000000"/>
+                </a:solidFill>
+                <a:latin typeface="Calibri"/>
+                <a:ea typeface="Calibri"/>
+                <a:cs typeface="Calibri"/>
+                <a:sym typeface="Calibri"/>
+              </a:rPr>
+            </a:br>
+            <a:endParaRPr sz="1800">
               <a:solidFill>
                 <a:srgbClr val="000000"/>
               </a:solidFill>
@@ -9829,17 +9872,75 @@
             </a:endParaRPr>
           </a:p>
           <a:p>
-            <a:pPr indent="0" lvl="0" marL="0" rtl="0" algn="l">
-              <a:spcBef>
-                <a:spcPts val="1200"/>
-              </a:spcBef>
-              <a:spcAft>
-                <a:spcPts val="1200"/>
-              </a:spcAft>
-              <a:buNone/>
+            <a:pPr indent="-342900" lvl="0" marL="457200" rtl="0" algn="l">
+              <a:spcBef>
+                <a:spcPts val="0"/>
+              </a:spcBef>
+              <a:spcAft>
+                <a:spcPts val="0"/>
+              </a:spcAft>
+              <a:buClr>
+                <a:srgbClr val="000000"/>
+              </a:buClr>
+              <a:buSzPts val="1800"/>
+              <a:buFont typeface="Calibri"/>
+              <a:buChar char="●"/>
             </a:pPr>
             <a:r>
-              <a:t/>
+              <a:rPr lang="en-GB" sz="1800">
+                <a:solidFill>
+                  <a:srgbClr val="000000"/>
+                </a:solidFill>
+                <a:latin typeface="Calibri"/>
+                <a:ea typeface="Calibri"/>
+                <a:cs typeface="Calibri"/>
+                <a:sym typeface="Calibri"/>
+              </a:rPr>
+              <a:t>How much do Consumers get?</a:t>
+            </a:r>
+            <a:endParaRPr sz="1800">
+              <a:solidFill>
+                <a:srgbClr val="000000"/>
+              </a:solidFill>
+              <a:latin typeface="Calibri"/>
+              <a:ea typeface="Calibri"/>
+              <a:cs typeface="Calibri"/>
+              <a:sym typeface="Calibri"/>
+            </a:endParaRPr>
+          </a:p>
+          <a:p>
+            <a:pPr indent="0" lvl="0" marL="457200" rtl="0" algn="l">
+              <a:spcBef>
+                <a:spcPts val="1200"/>
+              </a:spcBef>
+              <a:spcAft>
+                <a:spcPts val="1200"/>
+              </a:spcAft>
+              <a:buNone/>
+            </a:pPr>
+            <a:r>
+              <a:rPr lang="en-GB" sz="1800">
+                <a:solidFill>
+                  <a:srgbClr val="000000"/>
+                </a:solidFill>
+                <a:latin typeface="Calibri"/>
+                <a:ea typeface="Calibri"/>
+                <a:cs typeface="Calibri"/>
+                <a:sym typeface="Calibri"/>
+              </a:rPr>
+              <a:t>            </a:t>
+            </a:r>
+            <a:r>
+              <a:rPr lang="en-GB" sz="2400">
+                <a:solidFill>
+                  <a:srgbClr val="000000"/>
+                </a:solidFill>
+                <a:latin typeface="Calibri"/>
+                <a:ea typeface="Calibri"/>
+                <a:cs typeface="Calibri"/>
+                <a:sym typeface="Calibri"/>
+              </a:rPr>
+              <a:t>ZERO | NADA</a:t>
             </a:r>
             <a:endParaRPr b="1" sz="1800">
               <a:solidFill>
@@ -9948,7 +10049,256 @@
                                           </p:stCondLst>
                                         </p:cTn>
                                         <p:tgtEl>
-                                          <p:spTgt spid="70"/>
+                                          <p:spTgt spid="70">
+                                            <p:txEl>
+                                              <p:pRg end="0" st="0"/>
+                                            </p:txEl>
+                                          </p:spTgt>
+                                        </p:tgtEl>
+                                        <p:attrNameLst>
+                                          <p:attrName>style.visibility</p:attrName>
+                                        </p:attrNameLst>
+                                      </p:cBhvr>
+                                      <p:to>
+                                        <p:strVal val="visible"/>
+                                      </p:to>
+                                    </p:set>
+                                  </p:childTnLst>
+                                </p:cTn>
+                              </p:par>
+                            </p:childTnLst>
+                          </p:cTn>
+                        </p:par>
+                      </p:childTnLst>
+                    </p:cTn>
+                  </p:par>
+                  <p:par>
+                    <p:cTn fill="hold">
+                      <p:stCondLst>
+                        <p:cond delay="indefinite"/>
+                      </p:stCondLst>
+                      <p:childTnLst>
+                        <p:par>
+                          <p:cTn fill="hold">
+                            <p:stCondLst>
+                              <p:cond delay="0"/>
+                            </p:stCondLst>
+                            <p:childTnLst>
+                              <p:par>
+                                <p:cTn fill="hold" nodeType="clickEffect" presetClass="entr" presetID="1" presetSubtype="0">
+                                  <p:stCondLst>
+                                    <p:cond delay="0"/>
+                                  </p:stCondLst>
+                                  <p:childTnLst>
+                                    <p:set>
+                                      <p:cBhvr>
+                                        <p:cTn dur="1" fill="hold">
+                                          <p:stCondLst>
+                                            <p:cond delay="0"/>
+                                          </p:stCondLst>
+                                        </p:cTn>
+                                        <p:tgtEl>
+                                          <p:spTgt spid="70">
+                                            <p:txEl>
+                                              <p:pRg end="1" st="1"/>
+                                            </p:txEl>
+                                          </p:spTgt>
+                                        </p:tgtEl>
+                                        <p:attrNameLst>
+                                          <p:attrName>style.visibility</p:attrName>
+                                        </p:attrNameLst>
+                                      </p:cBhvr>
+                                      <p:to>
+                                        <p:strVal val="visible"/>
+                                      </p:to>
+                                    </p:set>
+                                  </p:childTnLst>
+                                </p:cTn>
+                              </p:par>
+                            </p:childTnLst>
+                          </p:cTn>
+                        </p:par>
+                      </p:childTnLst>
+                    </p:cTn>
+                  </p:par>
+                  <p:par>
+                    <p:cTn fill="hold">
+                      <p:stCondLst>
+                        <p:cond delay="indefinite"/>
+                      </p:stCondLst>
+                      <p:childTnLst>
+                        <p:par>
+                          <p:cTn fill="hold">
+                            <p:stCondLst>
+                              <p:cond delay="0"/>
+                            </p:stCondLst>
+                            <p:childTnLst>
+                              <p:par>
+                                <p:cTn fill="hold" nodeType="clickEffect" presetClass="entr" presetID="1" presetSubtype="0">
+                                  <p:stCondLst>
+                                    <p:cond delay="0"/>
+                                  </p:stCondLst>
+                                  <p:childTnLst>
+                                    <p:set>
+                                      <p:cBhvr>
+                                        <p:cTn dur="1" fill="hold">
+                                          <p:stCondLst>
+                                            <p:cond delay="0"/>
+                                          </p:stCondLst>
+                                        </p:cTn>
+                                        <p:tgtEl>
+                                          <p:spTgt spid="70">
+                                            <p:txEl>
+                                              <p:pRg end="2" st="2"/>
+                                            </p:txEl>
+                                          </p:spTgt>
+                                        </p:tgtEl>
+                                        <p:attrNameLst>
+                                          <p:attrName>style.visibility</p:attrName>
+                                        </p:attrNameLst>
+                                      </p:cBhvr>
+                                      <p:to>
+                                        <p:strVal val="visible"/>
+                                      </p:to>
+                                    </p:set>
+                                  </p:childTnLst>
+                                </p:cTn>
+                              </p:par>
+                            </p:childTnLst>
+                          </p:cTn>
+                        </p:par>
+                      </p:childTnLst>
+                    </p:cTn>
+                  </p:par>
+                  <p:par>
+                    <p:cTn fill="hold">
+                      <p:stCondLst>
+                        <p:cond delay="indefinite"/>
+                      </p:stCondLst>
+                      <p:childTnLst>
+                        <p:par>
+                          <p:cTn fill="hold">
+                            <p:stCondLst>
+                              <p:cond delay="0"/>
+                            </p:stCondLst>
+                            <p:childTnLst>
+                              <p:par>
+                                <p:cTn fill="hold" nodeType="clickEffect" presetClass="entr" presetID="1" presetSubtype="0">
+                                  <p:stCondLst>
+                                    <p:cond delay="0"/>
+                                  </p:stCondLst>
+                                  <p:childTnLst>
+                                    <p:set>
+                                      <p:cBhvr>
+                                        <p:cTn dur="1" fill="hold">
+                                          <p:stCondLst>
+                                            <p:cond delay="0"/>
+                                          </p:stCondLst>
+                                        </p:cTn>
+                                        <p:tgtEl>
+                                          <p:spTgt spid="70">
+                                            <p:txEl>
+                                              <p:pRg end="3" st="3"/>
+                                            </p:txEl>
+                                          </p:spTgt>
+                                        </p:tgtEl>
+                                        <p:attrNameLst>
+                                          <p:attrName>style.visibility</p:attrName>
+                                        </p:attrNameLst>
+                                      </p:cBhvr>
+                                      <p:to>
+                                        <p:strVal val="visible"/>
+                                      </p:to>
+                                    </p:set>
+                                  </p:childTnLst>
+                                </p:cTn>
+                              </p:par>
+                            </p:childTnLst>
+                          </p:cTn>
+                        </p:par>
+                      </p:childTnLst>
+                    </p:cTn>
+                  </p:par>
+                  <p:par>
+                    <p:cTn fill="hold">
+                      <p:stCondLst>
+                        <p:cond delay="indefinite"/>
+                      </p:stCondLst>
+                      <p:childTnLst>
+                        <p:par>
+                          <p:cTn fill="hold">
+                            <p:stCondLst>
+                              <p:cond delay="0"/>
+                            </p:stCondLst>
+                            <p:childTnLst>
+                              <p:par>
+                                <p:cTn fill="hold" nodeType="clickEffect" presetClass="entr" presetID="1" presetSubtype="0">
+                                  <p:stCondLst>
+                                    <p:cond delay="0"/>
+                                  </p:stCondLst>
+                                  <p:childTnLst>
+                                    <p:set>
+                                      <p:cBhvr>
+                                        <p:cTn dur="1" fill="hold">
+                                          <p:stCondLst>
+                                            <p:cond delay="0"/>
+                                          </p:stCondLst>
+                                        </p:cTn>
+                                        <p:tgtEl>
+                                          <p:spTgt spid="70">
+                                            <p:txEl>
+                                              <p:pRg end="4" st="4"/>
+                                            </p:txEl>
+                                          </p:spTgt>
+                                        </p:tgtEl>
+                                        <p:attrNameLst>
+                                          <p:attrName>style.visibility</p:attrName>
+                                        </p:attrNameLst>
+                                      </p:cBhvr>
+                                      <p:to>
+                                        <p:strVal val="visible"/>
+                                      </p:to>
+                                    </p:set>
+                                  </p:childTnLst>
+                                </p:cTn>
+                              </p:par>
+                            </p:childTnLst>
+                          </p:cTn>
+                        </p:par>
+                      </p:childTnLst>
+                    </p:cTn>
+                  </p:par>
+                  <p:par>
+                    <p:cTn fill="hold">
+                      <p:stCondLst>
+                        <p:cond delay="indefinite"/>
+                      </p:stCondLst>
+                      <p:childTnLst>
+                        <p:par>
+                          <p:cTn fill="hold">
+                            <p:stCondLst>
+                              <p:cond delay="0"/>
+                            </p:stCondLst>
+                            <p:childTnLst>
+                              <p:par>
+                                <p:cTn fill="hold" nodeType="clickEffect" presetClass="entr" presetID="1" presetSubtype="0">
+                                  <p:stCondLst>
+                                    <p:cond delay="0"/>
+                                  </p:stCondLst>
+                                  <p:childTnLst>
+                                    <p:set>
+                                      <p:cBhvr>
+                                        <p:cTn dur="1" fill="hold">
+                                          <p:stCondLst>
+                                            <p:cond delay="0"/>
+                                          </p:stCondLst>
+                                        </p:cTn>
+                                        <p:tgtEl>
+                                          <p:spTgt spid="70">
+                                            <p:txEl>
+                                              <p:pRg end="5" st="5"/>
+                                            </p:txEl>
+                                          </p:spTgt>
                                         </p:tgtEl>
                                         <p:attrNameLst>
                                           <p:attrName>style.visibility</p:attrName>
